--- a/ppt 16-9/0201.大喜信息.pptx
+++ b/ppt 16-9/0201.大喜信息.pptx
@@ -129,7 +129,7 @@
           <p:cNvPr id="2" name="标题 1">
             <a:extLst>
               <a:ext uri="{FF2B5EF4-FFF2-40B4-BE49-F238E27FC236}">
-                <a16:creationId xmlns:a16="http://schemas.microsoft.com/office/drawing/2014/main" id="{4C1AE0BD-A978-C41F-BF75-B8F175230DEB}"/>
+                <a16:creationId xmlns:a16="http://schemas.microsoft.com/office/drawing/2014/main" id="{D147A0F2-D953-3567-7572-A0D5DCF718E7}"/>
               </a:ext>
             </a:extLst>
           </p:cNvPr>
@@ -166,7 +166,7 @@
           <p:cNvPr id="3" name="副标题 2">
             <a:extLst>
               <a:ext uri="{FF2B5EF4-FFF2-40B4-BE49-F238E27FC236}">
-                <a16:creationId xmlns:a16="http://schemas.microsoft.com/office/drawing/2014/main" id="{2BC3B045-6F16-7809-C169-D458D9F47280}"/>
+                <a16:creationId xmlns:a16="http://schemas.microsoft.com/office/drawing/2014/main" id="{EC4E1F54-DA23-80E2-9A00-E4B396BAB7DF}"/>
               </a:ext>
             </a:extLst>
           </p:cNvPr>
@@ -236,7 +236,7 @@
           <p:cNvPr id="4" name="日期占位符 3">
             <a:extLst>
               <a:ext uri="{FF2B5EF4-FFF2-40B4-BE49-F238E27FC236}">
-                <a16:creationId xmlns:a16="http://schemas.microsoft.com/office/drawing/2014/main" id="{7650136E-8C16-F7D9-04D6-CC6A375565BF}"/>
+                <a16:creationId xmlns:a16="http://schemas.microsoft.com/office/drawing/2014/main" id="{365114C3-9165-2DF7-2C32-328AFE0F5E43}"/>
               </a:ext>
             </a:extLst>
           </p:cNvPr>
@@ -252,7 +252,7 @@
           <a:bodyPr/>
           <a:lstStyle/>
           <a:p>
-            <a:fld id="{4F637054-1C61-4164-98F2-4489FF3CBE94}" type="datetimeFigureOut">
+            <a:fld id="{51496A41-058C-4E85-A90A-383FBDB3DBF8}" type="datetimeFigureOut">
               <a:rPr lang="zh-CN" altLang="en-US" smtClean="0"/>
               <a:t>2024/3/10</a:t>
             </a:fld>
@@ -265,7 +265,7 @@
           <p:cNvPr id="5" name="页脚占位符 4">
             <a:extLst>
               <a:ext uri="{FF2B5EF4-FFF2-40B4-BE49-F238E27FC236}">
-                <a16:creationId xmlns:a16="http://schemas.microsoft.com/office/drawing/2014/main" id="{591A6B91-86FA-3F11-4468-420CD9164EC0}"/>
+                <a16:creationId xmlns:a16="http://schemas.microsoft.com/office/drawing/2014/main" id="{D65EC294-532B-7423-FF19-875F3BE3B635}"/>
               </a:ext>
             </a:extLst>
           </p:cNvPr>
@@ -290,7 +290,7 @@
           <p:cNvPr id="6" name="灯片编号占位符 5">
             <a:extLst>
               <a:ext uri="{FF2B5EF4-FFF2-40B4-BE49-F238E27FC236}">
-                <a16:creationId xmlns:a16="http://schemas.microsoft.com/office/drawing/2014/main" id="{BD259B40-35A2-FB98-1F41-F30D5D3C353D}"/>
+                <a16:creationId xmlns:a16="http://schemas.microsoft.com/office/drawing/2014/main" id="{66FA0C75-6350-C0EC-09E5-98EF3E116CC8}"/>
               </a:ext>
             </a:extLst>
           </p:cNvPr>
@@ -306,7 +306,7 @@
           <a:bodyPr/>
           <a:lstStyle/>
           <a:p>
-            <a:fld id="{DB62F9FE-95B4-4E92-A5C0-BE2A04188DBF}" type="slidenum">
+            <a:fld id="{74080BE2-B28F-4006-92CB-95F18C6EE46D}" type="slidenum">
               <a:rPr lang="zh-CN" altLang="en-US" smtClean="0"/>
               <a:t>‹#›</a:t>
             </a:fld>
@@ -317,7 +317,7 @@
     </p:spTree>
     <p:extLst>
       <p:ext uri="{BB962C8B-B14F-4D97-AF65-F5344CB8AC3E}">
-        <p14:creationId xmlns:p14="http://schemas.microsoft.com/office/powerpoint/2010/main" val="3447560583"/>
+        <p14:creationId xmlns:p14="http://schemas.microsoft.com/office/powerpoint/2010/main" val="725277666"/>
       </p:ext>
     </p:extLst>
   </p:cSld>
@@ -349,7 +349,7 @@
           <p:cNvPr id="2" name="标题 1">
             <a:extLst>
               <a:ext uri="{FF2B5EF4-FFF2-40B4-BE49-F238E27FC236}">
-                <a16:creationId xmlns:a16="http://schemas.microsoft.com/office/drawing/2014/main" id="{B4C8C2C8-E522-EECC-FB23-192BF8B31241}"/>
+                <a16:creationId xmlns:a16="http://schemas.microsoft.com/office/drawing/2014/main" id="{62ABC9C1-3561-E583-7486-C5AF2EE18209}"/>
               </a:ext>
             </a:extLst>
           </p:cNvPr>
@@ -377,7 +377,7 @@
           <p:cNvPr id="3" name="竖排文字占位符 2">
             <a:extLst>
               <a:ext uri="{FF2B5EF4-FFF2-40B4-BE49-F238E27FC236}">
-                <a16:creationId xmlns:a16="http://schemas.microsoft.com/office/drawing/2014/main" id="{821C8136-A33D-618A-69E1-AD92A9474260}"/>
+                <a16:creationId xmlns:a16="http://schemas.microsoft.com/office/drawing/2014/main" id="{97B2C1BB-EF3F-5B39-A87C-13538DBD232A}"/>
               </a:ext>
             </a:extLst>
           </p:cNvPr>
@@ -434,7 +434,7 @@
           <p:cNvPr id="4" name="日期占位符 3">
             <a:extLst>
               <a:ext uri="{FF2B5EF4-FFF2-40B4-BE49-F238E27FC236}">
-                <a16:creationId xmlns:a16="http://schemas.microsoft.com/office/drawing/2014/main" id="{9B1F7CBC-04B6-CC22-B3FB-77D511D11A9B}"/>
+                <a16:creationId xmlns:a16="http://schemas.microsoft.com/office/drawing/2014/main" id="{F4162362-EEAA-817F-5F46-550486F3A6CD}"/>
               </a:ext>
             </a:extLst>
           </p:cNvPr>
@@ -450,7 +450,7 @@
           <a:bodyPr/>
           <a:lstStyle/>
           <a:p>
-            <a:fld id="{4F637054-1C61-4164-98F2-4489FF3CBE94}" type="datetimeFigureOut">
+            <a:fld id="{51496A41-058C-4E85-A90A-383FBDB3DBF8}" type="datetimeFigureOut">
               <a:rPr lang="zh-CN" altLang="en-US" smtClean="0"/>
               <a:t>2024/3/10</a:t>
             </a:fld>
@@ -463,7 +463,7 @@
           <p:cNvPr id="5" name="页脚占位符 4">
             <a:extLst>
               <a:ext uri="{FF2B5EF4-FFF2-40B4-BE49-F238E27FC236}">
-                <a16:creationId xmlns:a16="http://schemas.microsoft.com/office/drawing/2014/main" id="{71CF1773-2BB4-8327-D049-D7FF6F51ED9C}"/>
+                <a16:creationId xmlns:a16="http://schemas.microsoft.com/office/drawing/2014/main" id="{BEE44BB3-E7A3-ABAF-9793-68554FB8B25E}"/>
               </a:ext>
             </a:extLst>
           </p:cNvPr>
@@ -488,7 +488,7 @@
           <p:cNvPr id="6" name="灯片编号占位符 5">
             <a:extLst>
               <a:ext uri="{FF2B5EF4-FFF2-40B4-BE49-F238E27FC236}">
-                <a16:creationId xmlns:a16="http://schemas.microsoft.com/office/drawing/2014/main" id="{0C09E826-EDDF-7967-E0A6-8D34F546C263}"/>
+                <a16:creationId xmlns:a16="http://schemas.microsoft.com/office/drawing/2014/main" id="{9D2C92E4-5405-C01F-4A3B-5C829C5B34E3}"/>
               </a:ext>
             </a:extLst>
           </p:cNvPr>
@@ -504,7 +504,7 @@
           <a:bodyPr/>
           <a:lstStyle/>
           <a:p>
-            <a:fld id="{DB62F9FE-95B4-4E92-A5C0-BE2A04188DBF}" type="slidenum">
+            <a:fld id="{74080BE2-B28F-4006-92CB-95F18C6EE46D}" type="slidenum">
               <a:rPr lang="zh-CN" altLang="en-US" smtClean="0"/>
               <a:t>‹#›</a:t>
             </a:fld>
@@ -515,7 +515,7 @@
     </p:spTree>
     <p:extLst>
       <p:ext uri="{BB962C8B-B14F-4D97-AF65-F5344CB8AC3E}">
-        <p14:creationId xmlns:p14="http://schemas.microsoft.com/office/powerpoint/2010/main" val="3272081274"/>
+        <p14:creationId xmlns:p14="http://schemas.microsoft.com/office/powerpoint/2010/main" val="3157647879"/>
       </p:ext>
     </p:extLst>
   </p:cSld>
@@ -547,7 +547,7 @@
           <p:cNvPr id="2" name="竖排标题 1">
             <a:extLst>
               <a:ext uri="{FF2B5EF4-FFF2-40B4-BE49-F238E27FC236}">
-                <a16:creationId xmlns:a16="http://schemas.microsoft.com/office/drawing/2014/main" id="{31B25E28-72E7-3132-CE82-61271237E30C}"/>
+                <a16:creationId xmlns:a16="http://schemas.microsoft.com/office/drawing/2014/main" id="{8EF8FF6B-C8CE-5EBE-3475-5F4EEBC6B185}"/>
               </a:ext>
             </a:extLst>
           </p:cNvPr>
@@ -580,7 +580,7 @@
           <p:cNvPr id="3" name="竖排文字占位符 2">
             <a:extLst>
               <a:ext uri="{FF2B5EF4-FFF2-40B4-BE49-F238E27FC236}">
-                <a16:creationId xmlns:a16="http://schemas.microsoft.com/office/drawing/2014/main" id="{8BE6363F-5D48-6E1B-8335-DB6357205474}"/>
+                <a16:creationId xmlns:a16="http://schemas.microsoft.com/office/drawing/2014/main" id="{595A165F-3EBE-A225-4033-2DBD2B404E84}"/>
               </a:ext>
             </a:extLst>
           </p:cNvPr>
@@ -642,7 +642,7 @@
           <p:cNvPr id="4" name="日期占位符 3">
             <a:extLst>
               <a:ext uri="{FF2B5EF4-FFF2-40B4-BE49-F238E27FC236}">
-                <a16:creationId xmlns:a16="http://schemas.microsoft.com/office/drawing/2014/main" id="{56C25280-1A4D-8478-2AB4-A9642FC5C3C8}"/>
+                <a16:creationId xmlns:a16="http://schemas.microsoft.com/office/drawing/2014/main" id="{DCB08BFB-15F2-C5CC-8FC9-6A3E7BBF5EA4}"/>
               </a:ext>
             </a:extLst>
           </p:cNvPr>
@@ -658,7 +658,7 @@
           <a:bodyPr/>
           <a:lstStyle/>
           <a:p>
-            <a:fld id="{4F637054-1C61-4164-98F2-4489FF3CBE94}" type="datetimeFigureOut">
+            <a:fld id="{51496A41-058C-4E85-A90A-383FBDB3DBF8}" type="datetimeFigureOut">
               <a:rPr lang="zh-CN" altLang="en-US" smtClean="0"/>
               <a:t>2024/3/10</a:t>
             </a:fld>
@@ -671,7 +671,7 @@
           <p:cNvPr id="5" name="页脚占位符 4">
             <a:extLst>
               <a:ext uri="{FF2B5EF4-FFF2-40B4-BE49-F238E27FC236}">
-                <a16:creationId xmlns:a16="http://schemas.microsoft.com/office/drawing/2014/main" id="{994593B1-0133-9CF3-C27A-4BA773016519}"/>
+                <a16:creationId xmlns:a16="http://schemas.microsoft.com/office/drawing/2014/main" id="{5DE2E80F-D858-C558-B69B-674E416AD82E}"/>
               </a:ext>
             </a:extLst>
           </p:cNvPr>
@@ -696,7 +696,7 @@
           <p:cNvPr id="6" name="灯片编号占位符 5">
             <a:extLst>
               <a:ext uri="{FF2B5EF4-FFF2-40B4-BE49-F238E27FC236}">
-                <a16:creationId xmlns:a16="http://schemas.microsoft.com/office/drawing/2014/main" id="{63361DC1-A7DE-4B0B-22B8-26F405886397}"/>
+                <a16:creationId xmlns:a16="http://schemas.microsoft.com/office/drawing/2014/main" id="{0459A079-CB0A-BA3F-D358-BBCE98634539}"/>
               </a:ext>
             </a:extLst>
           </p:cNvPr>
@@ -712,7 +712,7 @@
           <a:bodyPr/>
           <a:lstStyle/>
           <a:p>
-            <a:fld id="{DB62F9FE-95B4-4E92-A5C0-BE2A04188DBF}" type="slidenum">
+            <a:fld id="{74080BE2-B28F-4006-92CB-95F18C6EE46D}" type="slidenum">
               <a:rPr lang="zh-CN" altLang="en-US" smtClean="0"/>
               <a:t>‹#›</a:t>
             </a:fld>
@@ -723,7 +723,7 @@
     </p:spTree>
     <p:extLst>
       <p:ext uri="{BB962C8B-B14F-4D97-AF65-F5344CB8AC3E}">
-        <p14:creationId xmlns:p14="http://schemas.microsoft.com/office/powerpoint/2010/main" val="3952450648"/>
+        <p14:creationId xmlns:p14="http://schemas.microsoft.com/office/powerpoint/2010/main" val="3648506699"/>
       </p:ext>
     </p:extLst>
   </p:cSld>
@@ -755,7 +755,7 @@
           <p:cNvPr id="2" name="标题 1">
             <a:extLst>
               <a:ext uri="{FF2B5EF4-FFF2-40B4-BE49-F238E27FC236}">
-                <a16:creationId xmlns:a16="http://schemas.microsoft.com/office/drawing/2014/main" id="{60037F1A-5F3F-AE98-8DD8-95B5E7EDDF26}"/>
+                <a16:creationId xmlns:a16="http://schemas.microsoft.com/office/drawing/2014/main" id="{2BB16A40-010E-507E-5B25-9A5CE721255F}"/>
               </a:ext>
             </a:extLst>
           </p:cNvPr>
@@ -783,7 +783,7 @@
           <p:cNvPr id="3" name="内容占位符 2">
             <a:extLst>
               <a:ext uri="{FF2B5EF4-FFF2-40B4-BE49-F238E27FC236}">
-                <a16:creationId xmlns:a16="http://schemas.microsoft.com/office/drawing/2014/main" id="{5B4A057E-D35F-5266-0A95-63B231A720D8}"/>
+                <a16:creationId xmlns:a16="http://schemas.microsoft.com/office/drawing/2014/main" id="{2054CD2E-5F93-6A61-5048-EE7A41C7447E}"/>
               </a:ext>
             </a:extLst>
           </p:cNvPr>
@@ -840,7 +840,7 @@
           <p:cNvPr id="4" name="日期占位符 3">
             <a:extLst>
               <a:ext uri="{FF2B5EF4-FFF2-40B4-BE49-F238E27FC236}">
-                <a16:creationId xmlns:a16="http://schemas.microsoft.com/office/drawing/2014/main" id="{E94F96C4-A94D-C191-88A3-5CB612527128}"/>
+                <a16:creationId xmlns:a16="http://schemas.microsoft.com/office/drawing/2014/main" id="{546E49EF-A994-7330-D703-7C7F7528E7E9}"/>
               </a:ext>
             </a:extLst>
           </p:cNvPr>
@@ -856,7 +856,7 @@
           <a:bodyPr/>
           <a:lstStyle/>
           <a:p>
-            <a:fld id="{4F637054-1C61-4164-98F2-4489FF3CBE94}" type="datetimeFigureOut">
+            <a:fld id="{51496A41-058C-4E85-A90A-383FBDB3DBF8}" type="datetimeFigureOut">
               <a:rPr lang="zh-CN" altLang="en-US" smtClean="0"/>
               <a:t>2024/3/10</a:t>
             </a:fld>
@@ -869,7 +869,7 @@
           <p:cNvPr id="5" name="页脚占位符 4">
             <a:extLst>
               <a:ext uri="{FF2B5EF4-FFF2-40B4-BE49-F238E27FC236}">
-                <a16:creationId xmlns:a16="http://schemas.microsoft.com/office/drawing/2014/main" id="{BC717DDE-C580-14D3-3E46-6F29D5BABD75}"/>
+                <a16:creationId xmlns:a16="http://schemas.microsoft.com/office/drawing/2014/main" id="{35F98647-D0DB-9EFA-789F-642419CDE31A}"/>
               </a:ext>
             </a:extLst>
           </p:cNvPr>
@@ -894,7 +894,7 @@
           <p:cNvPr id="6" name="灯片编号占位符 5">
             <a:extLst>
               <a:ext uri="{FF2B5EF4-FFF2-40B4-BE49-F238E27FC236}">
-                <a16:creationId xmlns:a16="http://schemas.microsoft.com/office/drawing/2014/main" id="{B892A75F-CBE2-44F2-2CD5-AC1645BD895C}"/>
+                <a16:creationId xmlns:a16="http://schemas.microsoft.com/office/drawing/2014/main" id="{BEF7D04B-E330-D86C-8CC6-4961BAF881D7}"/>
               </a:ext>
             </a:extLst>
           </p:cNvPr>
@@ -910,7 +910,7 @@
           <a:bodyPr/>
           <a:lstStyle/>
           <a:p>
-            <a:fld id="{DB62F9FE-95B4-4E92-A5C0-BE2A04188DBF}" type="slidenum">
+            <a:fld id="{74080BE2-B28F-4006-92CB-95F18C6EE46D}" type="slidenum">
               <a:rPr lang="zh-CN" altLang="en-US" smtClean="0"/>
               <a:t>‹#›</a:t>
             </a:fld>
@@ -921,7 +921,7 @@
     </p:spTree>
     <p:extLst>
       <p:ext uri="{BB962C8B-B14F-4D97-AF65-F5344CB8AC3E}">
-        <p14:creationId xmlns:p14="http://schemas.microsoft.com/office/powerpoint/2010/main" val="3986251397"/>
+        <p14:creationId xmlns:p14="http://schemas.microsoft.com/office/powerpoint/2010/main" val="1301291387"/>
       </p:ext>
     </p:extLst>
   </p:cSld>
@@ -953,7 +953,7 @@
           <p:cNvPr id="2" name="标题 1">
             <a:extLst>
               <a:ext uri="{FF2B5EF4-FFF2-40B4-BE49-F238E27FC236}">
-                <a16:creationId xmlns:a16="http://schemas.microsoft.com/office/drawing/2014/main" id="{606523F4-3671-8C70-F424-F7241BAB84D8}"/>
+                <a16:creationId xmlns:a16="http://schemas.microsoft.com/office/drawing/2014/main" id="{70ADAEFA-6F6B-C1D3-11DF-E854FF681EC4}"/>
               </a:ext>
             </a:extLst>
           </p:cNvPr>
@@ -990,7 +990,7 @@
           <p:cNvPr id="3" name="文本占位符 2">
             <a:extLst>
               <a:ext uri="{FF2B5EF4-FFF2-40B4-BE49-F238E27FC236}">
-                <a16:creationId xmlns:a16="http://schemas.microsoft.com/office/drawing/2014/main" id="{AA239DA4-3C0B-DE4F-6DBE-590931016B49}"/>
+                <a16:creationId xmlns:a16="http://schemas.microsoft.com/office/drawing/2014/main" id="{8C9651EB-7C27-7EDE-54B7-77F47CBC872A}"/>
               </a:ext>
             </a:extLst>
           </p:cNvPr>
@@ -1115,7 +1115,7 @@
           <p:cNvPr id="4" name="日期占位符 3">
             <a:extLst>
               <a:ext uri="{FF2B5EF4-FFF2-40B4-BE49-F238E27FC236}">
-                <a16:creationId xmlns:a16="http://schemas.microsoft.com/office/drawing/2014/main" id="{D18AE001-69A5-768C-F466-B27C5FF3CA75}"/>
+                <a16:creationId xmlns:a16="http://schemas.microsoft.com/office/drawing/2014/main" id="{49627BEB-0495-9ACD-E770-408CD800FC95}"/>
               </a:ext>
             </a:extLst>
           </p:cNvPr>
@@ -1131,7 +1131,7 @@
           <a:bodyPr/>
           <a:lstStyle/>
           <a:p>
-            <a:fld id="{4F637054-1C61-4164-98F2-4489FF3CBE94}" type="datetimeFigureOut">
+            <a:fld id="{51496A41-058C-4E85-A90A-383FBDB3DBF8}" type="datetimeFigureOut">
               <a:rPr lang="zh-CN" altLang="en-US" smtClean="0"/>
               <a:t>2024/3/10</a:t>
             </a:fld>
@@ -1144,7 +1144,7 @@
           <p:cNvPr id="5" name="页脚占位符 4">
             <a:extLst>
               <a:ext uri="{FF2B5EF4-FFF2-40B4-BE49-F238E27FC236}">
-                <a16:creationId xmlns:a16="http://schemas.microsoft.com/office/drawing/2014/main" id="{B07FA688-FBAB-B6EB-03E0-D0E6738011F5}"/>
+                <a16:creationId xmlns:a16="http://schemas.microsoft.com/office/drawing/2014/main" id="{4CA48639-3586-D930-974C-D78541C12794}"/>
               </a:ext>
             </a:extLst>
           </p:cNvPr>
@@ -1169,7 +1169,7 @@
           <p:cNvPr id="6" name="灯片编号占位符 5">
             <a:extLst>
               <a:ext uri="{FF2B5EF4-FFF2-40B4-BE49-F238E27FC236}">
-                <a16:creationId xmlns:a16="http://schemas.microsoft.com/office/drawing/2014/main" id="{FBF13580-6695-FF60-3E79-7BB913E511BD}"/>
+                <a16:creationId xmlns:a16="http://schemas.microsoft.com/office/drawing/2014/main" id="{C2141D83-B3D8-1843-A34C-AC77A28B7BF0}"/>
               </a:ext>
             </a:extLst>
           </p:cNvPr>
@@ -1185,7 +1185,7 @@
           <a:bodyPr/>
           <a:lstStyle/>
           <a:p>
-            <a:fld id="{DB62F9FE-95B4-4E92-A5C0-BE2A04188DBF}" type="slidenum">
+            <a:fld id="{74080BE2-B28F-4006-92CB-95F18C6EE46D}" type="slidenum">
               <a:rPr lang="zh-CN" altLang="en-US" smtClean="0"/>
               <a:t>‹#›</a:t>
             </a:fld>
@@ -1196,7 +1196,7 @@
     </p:spTree>
     <p:extLst>
       <p:ext uri="{BB962C8B-B14F-4D97-AF65-F5344CB8AC3E}">
-        <p14:creationId xmlns:p14="http://schemas.microsoft.com/office/powerpoint/2010/main" val="1738135008"/>
+        <p14:creationId xmlns:p14="http://schemas.microsoft.com/office/powerpoint/2010/main" val="370580845"/>
       </p:ext>
     </p:extLst>
   </p:cSld>
@@ -1228,7 +1228,7 @@
           <p:cNvPr id="2" name="标题 1">
             <a:extLst>
               <a:ext uri="{FF2B5EF4-FFF2-40B4-BE49-F238E27FC236}">
-                <a16:creationId xmlns:a16="http://schemas.microsoft.com/office/drawing/2014/main" id="{9834C0D5-C7AD-AB1F-EE89-C679A862A018}"/>
+                <a16:creationId xmlns:a16="http://schemas.microsoft.com/office/drawing/2014/main" id="{DF2BB8F8-99E3-714F-CA43-79439B80C9D6}"/>
               </a:ext>
             </a:extLst>
           </p:cNvPr>
@@ -1256,7 +1256,7 @@
           <p:cNvPr id="3" name="内容占位符 2">
             <a:extLst>
               <a:ext uri="{FF2B5EF4-FFF2-40B4-BE49-F238E27FC236}">
-                <a16:creationId xmlns:a16="http://schemas.microsoft.com/office/drawing/2014/main" id="{AAB48C24-E9D7-DD56-76DA-E51D72550AC9}"/>
+                <a16:creationId xmlns:a16="http://schemas.microsoft.com/office/drawing/2014/main" id="{D3F1EE3C-8D92-CD08-CB64-D29604B76A57}"/>
               </a:ext>
             </a:extLst>
           </p:cNvPr>
@@ -1318,7 +1318,7 @@
           <p:cNvPr id="4" name="内容占位符 3">
             <a:extLst>
               <a:ext uri="{FF2B5EF4-FFF2-40B4-BE49-F238E27FC236}">
-                <a16:creationId xmlns:a16="http://schemas.microsoft.com/office/drawing/2014/main" id="{CD1A7E45-AC7B-2ED5-1BD0-AF9BF2F83CE1}"/>
+                <a16:creationId xmlns:a16="http://schemas.microsoft.com/office/drawing/2014/main" id="{06AF2AA6-8C2D-0F62-F3FC-11B2184BA75F}"/>
               </a:ext>
             </a:extLst>
           </p:cNvPr>
@@ -1380,7 +1380,7 @@
           <p:cNvPr id="5" name="日期占位符 4">
             <a:extLst>
               <a:ext uri="{FF2B5EF4-FFF2-40B4-BE49-F238E27FC236}">
-                <a16:creationId xmlns:a16="http://schemas.microsoft.com/office/drawing/2014/main" id="{C03EF76B-4331-1FF2-435B-89D841CA8130}"/>
+                <a16:creationId xmlns:a16="http://schemas.microsoft.com/office/drawing/2014/main" id="{A0F20BEE-4557-1D58-3DC7-C7D74E1ECFFC}"/>
               </a:ext>
             </a:extLst>
           </p:cNvPr>
@@ -1396,7 +1396,7 @@
           <a:bodyPr/>
           <a:lstStyle/>
           <a:p>
-            <a:fld id="{4F637054-1C61-4164-98F2-4489FF3CBE94}" type="datetimeFigureOut">
+            <a:fld id="{51496A41-058C-4E85-A90A-383FBDB3DBF8}" type="datetimeFigureOut">
               <a:rPr lang="zh-CN" altLang="en-US" smtClean="0"/>
               <a:t>2024/3/10</a:t>
             </a:fld>
@@ -1409,7 +1409,7 @@
           <p:cNvPr id="6" name="页脚占位符 5">
             <a:extLst>
               <a:ext uri="{FF2B5EF4-FFF2-40B4-BE49-F238E27FC236}">
-                <a16:creationId xmlns:a16="http://schemas.microsoft.com/office/drawing/2014/main" id="{48F8041D-5757-7109-017A-1014ACF7EDDE}"/>
+                <a16:creationId xmlns:a16="http://schemas.microsoft.com/office/drawing/2014/main" id="{BDB161D0-B994-B48C-2E65-CD9724B77FB6}"/>
               </a:ext>
             </a:extLst>
           </p:cNvPr>
@@ -1434,7 +1434,7 @@
           <p:cNvPr id="7" name="灯片编号占位符 6">
             <a:extLst>
               <a:ext uri="{FF2B5EF4-FFF2-40B4-BE49-F238E27FC236}">
-                <a16:creationId xmlns:a16="http://schemas.microsoft.com/office/drawing/2014/main" id="{17C43A3C-B75A-1436-0618-5BEA4D1D2D1A}"/>
+                <a16:creationId xmlns:a16="http://schemas.microsoft.com/office/drawing/2014/main" id="{7A98F992-C0E8-D6A3-935F-11D3B7A12328}"/>
               </a:ext>
             </a:extLst>
           </p:cNvPr>
@@ -1450,7 +1450,7 @@
           <a:bodyPr/>
           <a:lstStyle/>
           <a:p>
-            <a:fld id="{DB62F9FE-95B4-4E92-A5C0-BE2A04188DBF}" type="slidenum">
+            <a:fld id="{74080BE2-B28F-4006-92CB-95F18C6EE46D}" type="slidenum">
               <a:rPr lang="zh-CN" altLang="en-US" smtClean="0"/>
               <a:t>‹#›</a:t>
             </a:fld>
@@ -1461,7 +1461,7 @@
     </p:spTree>
     <p:extLst>
       <p:ext uri="{BB962C8B-B14F-4D97-AF65-F5344CB8AC3E}">
-        <p14:creationId xmlns:p14="http://schemas.microsoft.com/office/powerpoint/2010/main" val="1276657937"/>
+        <p14:creationId xmlns:p14="http://schemas.microsoft.com/office/powerpoint/2010/main" val="2442968939"/>
       </p:ext>
     </p:extLst>
   </p:cSld>
@@ -1493,7 +1493,7 @@
           <p:cNvPr id="2" name="标题 1">
             <a:extLst>
               <a:ext uri="{FF2B5EF4-FFF2-40B4-BE49-F238E27FC236}">
-                <a16:creationId xmlns:a16="http://schemas.microsoft.com/office/drawing/2014/main" id="{350122B5-4289-87CC-24CB-D93BC5EDEE5C}"/>
+                <a16:creationId xmlns:a16="http://schemas.microsoft.com/office/drawing/2014/main" id="{7AD369CE-48FD-8170-1AB1-6A0DC91A5063}"/>
               </a:ext>
             </a:extLst>
           </p:cNvPr>
@@ -1526,7 +1526,7 @@
           <p:cNvPr id="3" name="文本占位符 2">
             <a:extLst>
               <a:ext uri="{FF2B5EF4-FFF2-40B4-BE49-F238E27FC236}">
-                <a16:creationId xmlns:a16="http://schemas.microsoft.com/office/drawing/2014/main" id="{47D39B83-EED8-2A8B-BC81-EC7B36073AB8}"/>
+                <a16:creationId xmlns:a16="http://schemas.microsoft.com/office/drawing/2014/main" id="{80719754-04EB-C094-737B-E973656316FA}"/>
               </a:ext>
             </a:extLst>
           </p:cNvPr>
@@ -1597,7 +1597,7 @@
           <p:cNvPr id="4" name="内容占位符 3">
             <a:extLst>
               <a:ext uri="{FF2B5EF4-FFF2-40B4-BE49-F238E27FC236}">
-                <a16:creationId xmlns:a16="http://schemas.microsoft.com/office/drawing/2014/main" id="{38497A26-685A-4589-D76D-F5BCCB7C0C64}"/>
+                <a16:creationId xmlns:a16="http://schemas.microsoft.com/office/drawing/2014/main" id="{BC4A9614-84E0-F0C0-B9AA-8617A617209A}"/>
               </a:ext>
             </a:extLst>
           </p:cNvPr>
@@ -1659,7 +1659,7 @@
           <p:cNvPr id="5" name="文本占位符 4">
             <a:extLst>
               <a:ext uri="{FF2B5EF4-FFF2-40B4-BE49-F238E27FC236}">
-                <a16:creationId xmlns:a16="http://schemas.microsoft.com/office/drawing/2014/main" id="{5C224ACE-1E17-F39F-DBFA-268AD1363B2C}"/>
+                <a16:creationId xmlns:a16="http://schemas.microsoft.com/office/drawing/2014/main" id="{4B38978F-7F59-2C02-1F74-E1954BA58C9B}"/>
               </a:ext>
             </a:extLst>
           </p:cNvPr>
@@ -1730,7 +1730,7 @@
           <p:cNvPr id="6" name="内容占位符 5">
             <a:extLst>
               <a:ext uri="{FF2B5EF4-FFF2-40B4-BE49-F238E27FC236}">
-                <a16:creationId xmlns:a16="http://schemas.microsoft.com/office/drawing/2014/main" id="{7E7F970E-CDDA-4643-755E-B07F04D97DC3}"/>
+                <a16:creationId xmlns:a16="http://schemas.microsoft.com/office/drawing/2014/main" id="{A99A3DBE-0987-C17E-E413-F594ABE04FB7}"/>
               </a:ext>
             </a:extLst>
           </p:cNvPr>
@@ -1792,7 +1792,7 @@
           <p:cNvPr id="7" name="日期占位符 6">
             <a:extLst>
               <a:ext uri="{FF2B5EF4-FFF2-40B4-BE49-F238E27FC236}">
-                <a16:creationId xmlns:a16="http://schemas.microsoft.com/office/drawing/2014/main" id="{74397C2B-E3F9-8A38-4045-19F7B8239228}"/>
+                <a16:creationId xmlns:a16="http://schemas.microsoft.com/office/drawing/2014/main" id="{A07BB34A-622B-7704-D716-E8531A6F6F62}"/>
               </a:ext>
             </a:extLst>
           </p:cNvPr>
@@ -1808,7 +1808,7 @@
           <a:bodyPr/>
           <a:lstStyle/>
           <a:p>
-            <a:fld id="{4F637054-1C61-4164-98F2-4489FF3CBE94}" type="datetimeFigureOut">
+            <a:fld id="{51496A41-058C-4E85-A90A-383FBDB3DBF8}" type="datetimeFigureOut">
               <a:rPr lang="zh-CN" altLang="en-US" smtClean="0"/>
               <a:t>2024/3/10</a:t>
             </a:fld>
@@ -1821,7 +1821,7 @@
           <p:cNvPr id="8" name="页脚占位符 7">
             <a:extLst>
               <a:ext uri="{FF2B5EF4-FFF2-40B4-BE49-F238E27FC236}">
-                <a16:creationId xmlns:a16="http://schemas.microsoft.com/office/drawing/2014/main" id="{2690BFC1-8E91-BF96-6D9E-24DF35F907AE}"/>
+                <a16:creationId xmlns:a16="http://schemas.microsoft.com/office/drawing/2014/main" id="{C8C3F4F9-B73B-9A15-7F8F-301B8B89E882}"/>
               </a:ext>
             </a:extLst>
           </p:cNvPr>
@@ -1846,7 +1846,7 @@
           <p:cNvPr id="9" name="灯片编号占位符 8">
             <a:extLst>
               <a:ext uri="{FF2B5EF4-FFF2-40B4-BE49-F238E27FC236}">
-                <a16:creationId xmlns:a16="http://schemas.microsoft.com/office/drawing/2014/main" id="{4341F02B-18EE-9638-ACBE-965032FEBDA7}"/>
+                <a16:creationId xmlns:a16="http://schemas.microsoft.com/office/drawing/2014/main" id="{37688054-67AF-C0EF-6286-E5F519B7B9E6}"/>
               </a:ext>
             </a:extLst>
           </p:cNvPr>
@@ -1862,7 +1862,7 @@
           <a:bodyPr/>
           <a:lstStyle/>
           <a:p>
-            <a:fld id="{DB62F9FE-95B4-4E92-A5C0-BE2A04188DBF}" type="slidenum">
+            <a:fld id="{74080BE2-B28F-4006-92CB-95F18C6EE46D}" type="slidenum">
               <a:rPr lang="zh-CN" altLang="en-US" smtClean="0"/>
               <a:t>‹#›</a:t>
             </a:fld>
@@ -1873,7 +1873,7 @@
     </p:spTree>
     <p:extLst>
       <p:ext uri="{BB962C8B-B14F-4D97-AF65-F5344CB8AC3E}">
-        <p14:creationId xmlns:p14="http://schemas.microsoft.com/office/powerpoint/2010/main" val="835111888"/>
+        <p14:creationId xmlns:p14="http://schemas.microsoft.com/office/powerpoint/2010/main" val="2690273324"/>
       </p:ext>
     </p:extLst>
   </p:cSld>
@@ -1905,7 +1905,7 @@
           <p:cNvPr id="2" name="标题 1">
             <a:extLst>
               <a:ext uri="{FF2B5EF4-FFF2-40B4-BE49-F238E27FC236}">
-                <a16:creationId xmlns:a16="http://schemas.microsoft.com/office/drawing/2014/main" id="{D7A72AB5-29EB-6EDE-5420-04659ABD9290}"/>
+                <a16:creationId xmlns:a16="http://schemas.microsoft.com/office/drawing/2014/main" id="{549D5186-E2E9-6BD6-D398-0281F5A8386D}"/>
               </a:ext>
             </a:extLst>
           </p:cNvPr>
@@ -1933,7 +1933,7 @@
           <p:cNvPr id="3" name="日期占位符 2">
             <a:extLst>
               <a:ext uri="{FF2B5EF4-FFF2-40B4-BE49-F238E27FC236}">
-                <a16:creationId xmlns:a16="http://schemas.microsoft.com/office/drawing/2014/main" id="{B8167707-A492-D012-A32C-097BD76DECCB}"/>
+                <a16:creationId xmlns:a16="http://schemas.microsoft.com/office/drawing/2014/main" id="{184DF567-BEB5-5361-2DD4-64C0171FD358}"/>
               </a:ext>
             </a:extLst>
           </p:cNvPr>
@@ -1949,7 +1949,7 @@
           <a:bodyPr/>
           <a:lstStyle/>
           <a:p>
-            <a:fld id="{4F637054-1C61-4164-98F2-4489FF3CBE94}" type="datetimeFigureOut">
+            <a:fld id="{51496A41-058C-4E85-A90A-383FBDB3DBF8}" type="datetimeFigureOut">
               <a:rPr lang="zh-CN" altLang="en-US" smtClean="0"/>
               <a:t>2024/3/10</a:t>
             </a:fld>
@@ -1962,7 +1962,7 @@
           <p:cNvPr id="4" name="页脚占位符 3">
             <a:extLst>
               <a:ext uri="{FF2B5EF4-FFF2-40B4-BE49-F238E27FC236}">
-                <a16:creationId xmlns:a16="http://schemas.microsoft.com/office/drawing/2014/main" id="{D749460B-664B-730B-85CB-71D908E165F5}"/>
+                <a16:creationId xmlns:a16="http://schemas.microsoft.com/office/drawing/2014/main" id="{38AF848A-C2FE-17F9-8CA2-824F89A782DF}"/>
               </a:ext>
             </a:extLst>
           </p:cNvPr>
@@ -1987,7 +1987,7 @@
           <p:cNvPr id="5" name="灯片编号占位符 4">
             <a:extLst>
               <a:ext uri="{FF2B5EF4-FFF2-40B4-BE49-F238E27FC236}">
-                <a16:creationId xmlns:a16="http://schemas.microsoft.com/office/drawing/2014/main" id="{4902920C-BFE0-E994-ED07-4605E7C569DF}"/>
+                <a16:creationId xmlns:a16="http://schemas.microsoft.com/office/drawing/2014/main" id="{8218F725-A9C6-1C53-14CF-F41E8F906762}"/>
               </a:ext>
             </a:extLst>
           </p:cNvPr>
@@ -2003,7 +2003,7 @@
           <a:bodyPr/>
           <a:lstStyle/>
           <a:p>
-            <a:fld id="{DB62F9FE-95B4-4E92-A5C0-BE2A04188DBF}" type="slidenum">
+            <a:fld id="{74080BE2-B28F-4006-92CB-95F18C6EE46D}" type="slidenum">
               <a:rPr lang="zh-CN" altLang="en-US" smtClean="0"/>
               <a:t>‹#›</a:t>
             </a:fld>
@@ -2014,7 +2014,7 @@
     </p:spTree>
     <p:extLst>
       <p:ext uri="{BB962C8B-B14F-4D97-AF65-F5344CB8AC3E}">
-        <p14:creationId xmlns:p14="http://schemas.microsoft.com/office/powerpoint/2010/main" val="2780022115"/>
+        <p14:creationId xmlns:p14="http://schemas.microsoft.com/office/powerpoint/2010/main" val="208033976"/>
       </p:ext>
     </p:extLst>
   </p:cSld>
@@ -2046,7 +2046,7 @@
           <p:cNvPr id="2" name="日期占位符 1">
             <a:extLst>
               <a:ext uri="{FF2B5EF4-FFF2-40B4-BE49-F238E27FC236}">
-                <a16:creationId xmlns:a16="http://schemas.microsoft.com/office/drawing/2014/main" id="{4A0A2CC5-B4ED-4E53-5BC7-72A5F1582C15}"/>
+                <a16:creationId xmlns:a16="http://schemas.microsoft.com/office/drawing/2014/main" id="{B2D73A8C-AFEB-B51A-A858-7850C1CD3E97}"/>
               </a:ext>
             </a:extLst>
           </p:cNvPr>
@@ -2062,7 +2062,7 @@
           <a:bodyPr/>
           <a:lstStyle/>
           <a:p>
-            <a:fld id="{4F637054-1C61-4164-98F2-4489FF3CBE94}" type="datetimeFigureOut">
+            <a:fld id="{51496A41-058C-4E85-A90A-383FBDB3DBF8}" type="datetimeFigureOut">
               <a:rPr lang="zh-CN" altLang="en-US" smtClean="0"/>
               <a:t>2024/3/10</a:t>
             </a:fld>
@@ -2075,7 +2075,7 @@
           <p:cNvPr id="3" name="页脚占位符 2">
             <a:extLst>
               <a:ext uri="{FF2B5EF4-FFF2-40B4-BE49-F238E27FC236}">
-                <a16:creationId xmlns:a16="http://schemas.microsoft.com/office/drawing/2014/main" id="{CB289B9F-6F32-56C0-0E66-7FAA4D211E1A}"/>
+                <a16:creationId xmlns:a16="http://schemas.microsoft.com/office/drawing/2014/main" id="{D299F899-89C8-3E57-F1E4-7AAD78263801}"/>
               </a:ext>
             </a:extLst>
           </p:cNvPr>
@@ -2100,7 +2100,7 @@
           <p:cNvPr id="4" name="灯片编号占位符 3">
             <a:extLst>
               <a:ext uri="{FF2B5EF4-FFF2-40B4-BE49-F238E27FC236}">
-                <a16:creationId xmlns:a16="http://schemas.microsoft.com/office/drawing/2014/main" id="{4BAAEDEF-701B-1B79-D637-04D89DC0F029}"/>
+                <a16:creationId xmlns:a16="http://schemas.microsoft.com/office/drawing/2014/main" id="{AA305DBE-0C18-FA41-6EC8-F20E73F855AA}"/>
               </a:ext>
             </a:extLst>
           </p:cNvPr>
@@ -2116,7 +2116,7 @@
           <a:bodyPr/>
           <a:lstStyle/>
           <a:p>
-            <a:fld id="{DB62F9FE-95B4-4E92-A5C0-BE2A04188DBF}" type="slidenum">
+            <a:fld id="{74080BE2-B28F-4006-92CB-95F18C6EE46D}" type="slidenum">
               <a:rPr lang="zh-CN" altLang="en-US" smtClean="0"/>
               <a:t>‹#›</a:t>
             </a:fld>
@@ -2127,7 +2127,7 @@
     </p:spTree>
     <p:extLst>
       <p:ext uri="{BB962C8B-B14F-4D97-AF65-F5344CB8AC3E}">
-        <p14:creationId xmlns:p14="http://schemas.microsoft.com/office/powerpoint/2010/main" val="2188297830"/>
+        <p14:creationId xmlns:p14="http://schemas.microsoft.com/office/powerpoint/2010/main" val="447505018"/>
       </p:ext>
     </p:extLst>
   </p:cSld>
@@ -2159,7 +2159,7 @@
           <p:cNvPr id="2" name="标题 1">
             <a:extLst>
               <a:ext uri="{FF2B5EF4-FFF2-40B4-BE49-F238E27FC236}">
-                <a16:creationId xmlns:a16="http://schemas.microsoft.com/office/drawing/2014/main" id="{09729391-E284-BA77-373A-4143DC6BCF32}"/>
+                <a16:creationId xmlns:a16="http://schemas.microsoft.com/office/drawing/2014/main" id="{76575B5B-B773-C2F9-4CAD-22A67C24B438}"/>
               </a:ext>
             </a:extLst>
           </p:cNvPr>
@@ -2196,7 +2196,7 @@
           <p:cNvPr id="3" name="内容占位符 2">
             <a:extLst>
               <a:ext uri="{FF2B5EF4-FFF2-40B4-BE49-F238E27FC236}">
-                <a16:creationId xmlns:a16="http://schemas.microsoft.com/office/drawing/2014/main" id="{DF957C76-4CE1-84E4-FA8F-AAC62769EC65}"/>
+                <a16:creationId xmlns:a16="http://schemas.microsoft.com/office/drawing/2014/main" id="{246BDDE2-519B-9D55-822E-F0D0925FFB5F}"/>
               </a:ext>
             </a:extLst>
           </p:cNvPr>
@@ -2286,7 +2286,7 @@
           <p:cNvPr id="4" name="文本占位符 3">
             <a:extLst>
               <a:ext uri="{FF2B5EF4-FFF2-40B4-BE49-F238E27FC236}">
-                <a16:creationId xmlns:a16="http://schemas.microsoft.com/office/drawing/2014/main" id="{166D85CE-F1E8-CB39-4F9E-260C063D1E4D}"/>
+                <a16:creationId xmlns:a16="http://schemas.microsoft.com/office/drawing/2014/main" id="{DC162476-65B6-4DD8-1887-F4FD556471C1}"/>
               </a:ext>
             </a:extLst>
           </p:cNvPr>
@@ -2357,7 +2357,7 @@
           <p:cNvPr id="5" name="日期占位符 4">
             <a:extLst>
               <a:ext uri="{FF2B5EF4-FFF2-40B4-BE49-F238E27FC236}">
-                <a16:creationId xmlns:a16="http://schemas.microsoft.com/office/drawing/2014/main" id="{55D126A2-A9E3-5E04-BF6A-0AA68DE24B0F}"/>
+                <a16:creationId xmlns:a16="http://schemas.microsoft.com/office/drawing/2014/main" id="{244810E7-F437-42C5-A4EA-39E4C3A63398}"/>
               </a:ext>
             </a:extLst>
           </p:cNvPr>
@@ -2373,7 +2373,7 @@
           <a:bodyPr/>
           <a:lstStyle/>
           <a:p>
-            <a:fld id="{4F637054-1C61-4164-98F2-4489FF3CBE94}" type="datetimeFigureOut">
+            <a:fld id="{51496A41-058C-4E85-A90A-383FBDB3DBF8}" type="datetimeFigureOut">
               <a:rPr lang="zh-CN" altLang="en-US" smtClean="0"/>
               <a:t>2024/3/10</a:t>
             </a:fld>
@@ -2386,7 +2386,7 @@
           <p:cNvPr id="6" name="页脚占位符 5">
             <a:extLst>
               <a:ext uri="{FF2B5EF4-FFF2-40B4-BE49-F238E27FC236}">
-                <a16:creationId xmlns:a16="http://schemas.microsoft.com/office/drawing/2014/main" id="{674210AA-CD4B-12CB-B72F-85529DF4CA45}"/>
+                <a16:creationId xmlns:a16="http://schemas.microsoft.com/office/drawing/2014/main" id="{A9F2FFF6-FBBF-1082-9F00-5141345A0CC7}"/>
               </a:ext>
             </a:extLst>
           </p:cNvPr>
@@ -2411,7 +2411,7 @@
           <p:cNvPr id="7" name="灯片编号占位符 6">
             <a:extLst>
               <a:ext uri="{FF2B5EF4-FFF2-40B4-BE49-F238E27FC236}">
-                <a16:creationId xmlns:a16="http://schemas.microsoft.com/office/drawing/2014/main" id="{12F98B2A-E329-5CF6-45D5-631A2A544282}"/>
+                <a16:creationId xmlns:a16="http://schemas.microsoft.com/office/drawing/2014/main" id="{C6AD6AD0-BFE7-BF4F-50CB-0AA83BB33D4E}"/>
               </a:ext>
             </a:extLst>
           </p:cNvPr>
@@ -2427,7 +2427,7 @@
           <a:bodyPr/>
           <a:lstStyle/>
           <a:p>
-            <a:fld id="{DB62F9FE-95B4-4E92-A5C0-BE2A04188DBF}" type="slidenum">
+            <a:fld id="{74080BE2-B28F-4006-92CB-95F18C6EE46D}" type="slidenum">
               <a:rPr lang="zh-CN" altLang="en-US" smtClean="0"/>
               <a:t>‹#›</a:t>
             </a:fld>
@@ -2438,7 +2438,7 @@
     </p:spTree>
     <p:extLst>
       <p:ext uri="{BB962C8B-B14F-4D97-AF65-F5344CB8AC3E}">
-        <p14:creationId xmlns:p14="http://schemas.microsoft.com/office/powerpoint/2010/main" val="207891260"/>
+        <p14:creationId xmlns:p14="http://schemas.microsoft.com/office/powerpoint/2010/main" val="1686846112"/>
       </p:ext>
     </p:extLst>
   </p:cSld>
@@ -2470,7 +2470,7 @@
           <p:cNvPr id="2" name="标题 1">
             <a:extLst>
               <a:ext uri="{FF2B5EF4-FFF2-40B4-BE49-F238E27FC236}">
-                <a16:creationId xmlns:a16="http://schemas.microsoft.com/office/drawing/2014/main" id="{F721B07D-CBA9-0F68-F862-07D60B4AC66B}"/>
+                <a16:creationId xmlns:a16="http://schemas.microsoft.com/office/drawing/2014/main" id="{3890AD62-155B-55FB-A8A1-55C7A0A18DED}"/>
               </a:ext>
             </a:extLst>
           </p:cNvPr>
@@ -2507,7 +2507,7 @@
           <p:cNvPr id="3" name="图片占位符 2">
             <a:extLst>
               <a:ext uri="{FF2B5EF4-FFF2-40B4-BE49-F238E27FC236}">
-                <a16:creationId xmlns:a16="http://schemas.microsoft.com/office/drawing/2014/main" id="{1EC415E3-E213-78FA-5180-DA0592A8F660}"/>
+                <a16:creationId xmlns:a16="http://schemas.microsoft.com/office/drawing/2014/main" id="{F0C91CE3-06D5-5196-0AD0-A38C886DDE0D}"/>
               </a:ext>
             </a:extLst>
           </p:cNvPr>
@@ -2574,7 +2574,7 @@
           <p:cNvPr id="4" name="文本占位符 3">
             <a:extLst>
               <a:ext uri="{FF2B5EF4-FFF2-40B4-BE49-F238E27FC236}">
-                <a16:creationId xmlns:a16="http://schemas.microsoft.com/office/drawing/2014/main" id="{F4C4724C-AEC9-7E4A-A162-27061142A06B}"/>
+                <a16:creationId xmlns:a16="http://schemas.microsoft.com/office/drawing/2014/main" id="{D471B020-B705-4715-854A-2ACA917EDF01}"/>
               </a:ext>
             </a:extLst>
           </p:cNvPr>
@@ -2645,7 +2645,7 @@
           <p:cNvPr id="5" name="日期占位符 4">
             <a:extLst>
               <a:ext uri="{FF2B5EF4-FFF2-40B4-BE49-F238E27FC236}">
-                <a16:creationId xmlns:a16="http://schemas.microsoft.com/office/drawing/2014/main" id="{FDA8E092-5795-362F-D405-DAA36CC52F1D}"/>
+                <a16:creationId xmlns:a16="http://schemas.microsoft.com/office/drawing/2014/main" id="{81564E45-AB8E-D8E8-54F2-AE48839C4A0F}"/>
               </a:ext>
             </a:extLst>
           </p:cNvPr>
@@ -2661,7 +2661,7 @@
           <a:bodyPr/>
           <a:lstStyle/>
           <a:p>
-            <a:fld id="{4F637054-1C61-4164-98F2-4489FF3CBE94}" type="datetimeFigureOut">
+            <a:fld id="{51496A41-058C-4E85-A90A-383FBDB3DBF8}" type="datetimeFigureOut">
               <a:rPr lang="zh-CN" altLang="en-US" smtClean="0"/>
               <a:t>2024/3/10</a:t>
             </a:fld>
@@ -2674,7 +2674,7 @@
           <p:cNvPr id="6" name="页脚占位符 5">
             <a:extLst>
               <a:ext uri="{FF2B5EF4-FFF2-40B4-BE49-F238E27FC236}">
-                <a16:creationId xmlns:a16="http://schemas.microsoft.com/office/drawing/2014/main" id="{D64D0F44-DA75-8034-7B63-6F8BF6D78D3C}"/>
+                <a16:creationId xmlns:a16="http://schemas.microsoft.com/office/drawing/2014/main" id="{B87CC15D-D2A8-D5D9-BCC4-664A909562F2}"/>
               </a:ext>
             </a:extLst>
           </p:cNvPr>
@@ -2699,7 +2699,7 @@
           <p:cNvPr id="7" name="灯片编号占位符 6">
             <a:extLst>
               <a:ext uri="{FF2B5EF4-FFF2-40B4-BE49-F238E27FC236}">
-                <a16:creationId xmlns:a16="http://schemas.microsoft.com/office/drawing/2014/main" id="{AED0E6E5-814B-AF2D-5148-BF114409694B}"/>
+                <a16:creationId xmlns:a16="http://schemas.microsoft.com/office/drawing/2014/main" id="{D5A2AAA8-0162-61C7-F98E-69822A7A34A8}"/>
               </a:ext>
             </a:extLst>
           </p:cNvPr>
@@ -2715,7 +2715,7 @@
           <a:bodyPr/>
           <a:lstStyle/>
           <a:p>
-            <a:fld id="{DB62F9FE-95B4-4E92-A5C0-BE2A04188DBF}" type="slidenum">
+            <a:fld id="{74080BE2-B28F-4006-92CB-95F18C6EE46D}" type="slidenum">
               <a:rPr lang="zh-CN" altLang="en-US" smtClean="0"/>
               <a:t>‹#›</a:t>
             </a:fld>
@@ -2726,7 +2726,7 @@
     </p:spTree>
     <p:extLst>
       <p:ext uri="{BB962C8B-B14F-4D97-AF65-F5344CB8AC3E}">
-        <p14:creationId xmlns:p14="http://schemas.microsoft.com/office/powerpoint/2010/main" val="4000880605"/>
+        <p14:creationId xmlns:p14="http://schemas.microsoft.com/office/powerpoint/2010/main" val="2807588008"/>
       </p:ext>
     </p:extLst>
   </p:cSld>
@@ -2763,7 +2763,7 @@
           <p:cNvPr id="2" name="标题占位符 1">
             <a:extLst>
               <a:ext uri="{FF2B5EF4-FFF2-40B4-BE49-F238E27FC236}">
-                <a16:creationId xmlns:a16="http://schemas.microsoft.com/office/drawing/2014/main" id="{C7BF53B4-3388-6379-FEC6-741F638E4B9E}"/>
+                <a16:creationId xmlns:a16="http://schemas.microsoft.com/office/drawing/2014/main" id="{B36E4FD8-9577-6172-FBF9-61998F6804CE}"/>
               </a:ext>
             </a:extLst>
           </p:cNvPr>
@@ -2801,7 +2801,7 @@
           <p:cNvPr id="3" name="文本占位符 2">
             <a:extLst>
               <a:ext uri="{FF2B5EF4-FFF2-40B4-BE49-F238E27FC236}">
-                <a16:creationId xmlns:a16="http://schemas.microsoft.com/office/drawing/2014/main" id="{620599DC-CD8A-6D28-29C5-698EAF60159A}"/>
+                <a16:creationId xmlns:a16="http://schemas.microsoft.com/office/drawing/2014/main" id="{1C5973D3-B680-A647-B67D-07E6F7004587}"/>
               </a:ext>
             </a:extLst>
           </p:cNvPr>
@@ -2868,7 +2868,7 @@
           <p:cNvPr id="4" name="日期占位符 3">
             <a:extLst>
               <a:ext uri="{FF2B5EF4-FFF2-40B4-BE49-F238E27FC236}">
-                <a16:creationId xmlns:a16="http://schemas.microsoft.com/office/drawing/2014/main" id="{B79DA34F-C751-B359-FE74-F45246830B3D}"/>
+                <a16:creationId xmlns:a16="http://schemas.microsoft.com/office/drawing/2014/main" id="{12BEEA61-6550-5913-0945-B580B9AE3FBA}"/>
               </a:ext>
             </a:extLst>
           </p:cNvPr>
@@ -2902,7 +2902,7 @@
             </a:lvl1pPr>
           </a:lstStyle>
           <a:p>
-            <a:fld id="{4F637054-1C61-4164-98F2-4489FF3CBE94}" type="datetimeFigureOut">
+            <a:fld id="{51496A41-058C-4E85-A90A-383FBDB3DBF8}" type="datetimeFigureOut">
               <a:rPr lang="zh-CN" altLang="en-US" smtClean="0"/>
               <a:t>2024/3/10</a:t>
             </a:fld>
@@ -2915,7 +2915,7 @@
           <p:cNvPr id="5" name="页脚占位符 4">
             <a:extLst>
               <a:ext uri="{FF2B5EF4-FFF2-40B4-BE49-F238E27FC236}">
-                <a16:creationId xmlns:a16="http://schemas.microsoft.com/office/drawing/2014/main" id="{FE7FAB32-7104-B453-4E41-D0A939FA1B1B}"/>
+                <a16:creationId xmlns:a16="http://schemas.microsoft.com/office/drawing/2014/main" id="{F87F8C29-94EA-2B5A-0D2F-D6AA3F6B7D48}"/>
               </a:ext>
             </a:extLst>
           </p:cNvPr>
@@ -2958,7 +2958,7 @@
           <p:cNvPr id="6" name="灯片编号占位符 5">
             <a:extLst>
               <a:ext uri="{FF2B5EF4-FFF2-40B4-BE49-F238E27FC236}">
-                <a16:creationId xmlns:a16="http://schemas.microsoft.com/office/drawing/2014/main" id="{E2B17149-D145-3939-83D0-FE6C594192C1}"/>
+                <a16:creationId xmlns:a16="http://schemas.microsoft.com/office/drawing/2014/main" id="{B3C9999F-A39E-36BD-910D-5C1B712DB098}"/>
               </a:ext>
             </a:extLst>
           </p:cNvPr>
@@ -2992,7 +2992,7 @@
             </a:lvl1pPr>
           </a:lstStyle>
           <a:p>
-            <a:fld id="{DB62F9FE-95B4-4E92-A5C0-BE2A04188DBF}" type="slidenum">
+            <a:fld id="{74080BE2-B28F-4006-92CB-95F18C6EE46D}" type="slidenum">
               <a:rPr lang="zh-CN" altLang="en-US" smtClean="0"/>
               <a:t>‹#›</a:t>
             </a:fld>
@@ -3003,7 +3003,7 @@
     </p:spTree>
     <p:extLst>
       <p:ext uri="{BB962C8B-B14F-4D97-AF65-F5344CB8AC3E}">
-        <p14:creationId xmlns:p14="http://schemas.microsoft.com/office/powerpoint/2010/main" val="1967697802"/>
+        <p14:creationId xmlns:p14="http://schemas.microsoft.com/office/powerpoint/2010/main" val="3955035311"/>
       </p:ext>
     </p:extLst>
   </p:cSld>
